--- a/doc/Demo Slides.pptx
+++ b/doc/Demo Slides.pptx
@@ -8,7 +8,7 @@
     <p:notesMasterId r:id="rId4"/>
   </p:notesMasterIdLst>
   <p:handoutMasterIdLst>
-    <p:handoutMasterId r:id="rId16"/>
+    <p:handoutMasterId r:id="rId19"/>
   </p:handoutMasterIdLst>
   <p:sldIdLst>
     <p:sldId id="256" r:id="rId3"/>
@@ -16,13 +16,16 @@
     <p:sldId id="257" r:id="rId6"/>
     <p:sldId id="258" r:id="rId7"/>
     <p:sldId id="259" r:id="rId8"/>
-    <p:sldId id="261" r:id="rId9"/>
-    <p:sldId id="262" r:id="rId10"/>
-    <p:sldId id="263" r:id="rId11"/>
-    <p:sldId id="264" r:id="rId12"/>
-    <p:sldId id="265" r:id="rId13"/>
-    <p:sldId id="266" r:id="rId14"/>
-    <p:sldId id="267" r:id="rId15"/>
+    <p:sldId id="272" r:id="rId9"/>
+    <p:sldId id="271" r:id="rId10"/>
+    <p:sldId id="273" r:id="rId11"/>
+    <p:sldId id="261" r:id="rId12"/>
+    <p:sldId id="262" r:id="rId13"/>
+    <p:sldId id="263" r:id="rId14"/>
+    <p:sldId id="264" r:id="rId15"/>
+    <p:sldId id="265" r:id="rId16"/>
+    <p:sldId id="266" r:id="rId17"/>
+    <p:sldId id="267" r:id="rId18"/>
   </p:sldIdLst>
   <p:sldSz cx="12192000" cy="6858000"/>
   <p:notesSz cx="7103745" cy="10234295"/>
@@ -3666,14 +3669,24 @@
         </p:nvSpPr>
         <p:spPr/>
         <p:txBody>
-          <a:bodyPr/>
-          <a:p>
+          <a:bodyPr>
+            <a:normAutofit fontScale="90000"/>
+          </a:bodyPr>
+          <a:p>
+            <a:br>
+              <a:rPr lang="en-US" altLang="zh-CN">
+                <a:sym typeface="+mn-ea"/>
+              </a:rPr>
+            </a:br>
             <a:r>
               <a:rPr lang="en-US" altLang="zh-CN">
                 <a:sym typeface="+mn-ea"/>
               </a:rPr>
               <a:t>Specifications</a:t>
             </a:r>
+            <a:br>
+              <a:rPr lang="en-US" altLang="zh-CN"/>
+            </a:br>
             <a:endParaRPr lang="zh-CN" altLang="en-US"/>
           </a:p>
         </p:txBody>
@@ -3690,62 +3703,111 @@
         </p:nvSpPr>
         <p:spPr/>
         <p:txBody>
-          <a:bodyPr/>
-          <a:p>
-            <a:endParaRPr lang="en-US" altLang="zh-CN" sz="1800"/>
-          </a:p>
-          <a:p>
-            <a:endParaRPr lang="en-US" altLang="zh-CN" sz="1800"/>
-          </a:p>
-          <a:p>
-            <a:r>
-              <a:rPr lang="en-US" altLang="zh-CN" sz="1800"/>
-              <a:t>real-time property</a:t>
-            </a:r>
-            <a:endParaRPr lang="en-US" altLang="zh-CN" sz="1800"/>
-          </a:p>
-          <a:p>
-            <a:endParaRPr lang="en-US" altLang="zh-CN" sz="1800"/>
+          <a:bodyPr>
+            <a:normAutofit fontScale="60000"/>
+          </a:bodyPr>
+          <a:p>
+            <a:endParaRPr lang="zh-CN" altLang="en-US"/>
+          </a:p>
+          <a:p>
+            <a:r>
+              <a:rPr lang="en-US" altLang="zh-CN"/>
+              <a:t>Finite Automata</a:t>
+            </a:r>
+            <a:endParaRPr lang="en-US" altLang="zh-CN"/>
+          </a:p>
+          <a:p>
+            <a:endParaRPr lang="zh-CN" altLang="en-US"/>
           </a:p>
           <a:p>
             <a:pPr marL="0" indent="0">
               <a:buNone/>
             </a:pPr>
             <a:r>
-              <a:rPr lang="en-US" altLang="zh-CN" sz="1800"/>
+              <a:rPr lang="en-US" altLang="zh-CN"/>
               <a:t>E.g.:</a:t>
             </a:r>
-            <a:endParaRPr lang="en-US" altLang="zh-CN" sz="1800"/>
+            <a:endParaRPr lang="zh-CN" altLang="en-US"/>
           </a:p>
           <a:p>
             <a:pPr marL="0" indent="0">
               <a:buNone/>
             </a:pPr>
             <a:r>
-              <a:rPr lang="en-US" altLang="zh-CN" sz="1800"/>
-              <a:t>BackEnd.initialise(..) | -&gt; { Verification.initialisedTime = TimerManager.currentTimeMillis(); } </a:t>
-            </a:r>
-            <a:endParaRPr lang="en-US" altLang="zh-CN" sz="1800"/>
+              <a:rPr lang="zh-CN" altLang="en-US"/>
+              <a:t>property foreach target (UserInfo u) starting Enabled {</a:t>
+            </a:r>
+            <a:endParaRPr lang="zh-CN" altLang="en-US"/>
           </a:p>
           <a:p>
             <a:pPr marL="0" indent="0">
               <a:buNone/>
             </a:pPr>
             <a:r>
-              <a:rPr lang="en-US" altLang="zh-CN" sz="1800"/>
-              <a:t>UserInfo.openSession(..) | TimerManager.currentTimeMillis() - Verification.initialisedTime &lt; 10*1000 </a:t>
-            </a:r>
-            <a:endParaRPr lang="en-US" altLang="zh-CN" sz="1800"/>
+              <a:rPr lang="zh-CN" altLang="en-US"/>
+              <a:t>  Enabled &gt;&gt;&gt; before UserInfo.makeDisabled(..) target (UserInfo u)</a:t>
+            </a:r>
+            <a:endParaRPr lang="zh-CN" altLang="en-US"/>
           </a:p>
           <a:p>
             <a:pPr marL="0" indent="0">
               <a:buNone/>
             </a:pPr>
             <a:r>
-              <a:rPr lang="en-US" altLang="zh-CN" sz="1800"/>
-              <a:t>-&gt; { Assertion.alert("P11 violated"); }</a:t>
-            </a:r>
-            <a:endParaRPr lang="en-US" altLang="zh-CN" sz="1800"/>
+              <a:rPr lang="zh-CN" altLang="en-US"/>
+              <a:t>          &gt;&gt;&gt; Disabled</a:t>
+            </a:r>
+            <a:endParaRPr lang="zh-CN" altLang="en-US"/>
+          </a:p>
+          <a:p>
+            <a:pPr marL="0" indent="0">
+              <a:buNone/>
+            </a:pPr>
+            <a:r>
+              <a:rPr lang="zh-CN" altLang="en-US"/>
+              <a:t>  Disabled &gt;&gt;&gt; before UserInfo.makeEnabled(..) target (UserInfo u) </a:t>
+            </a:r>
+            <a:endParaRPr lang="zh-CN" altLang="en-US"/>
+          </a:p>
+          <a:p>
+            <a:pPr marL="0" indent="0">
+              <a:buNone/>
+            </a:pPr>
+            <a:r>
+              <a:rPr lang="zh-CN" altLang="en-US"/>
+              <a:t>           &gt;&gt;&gt; Enabled</a:t>
+            </a:r>
+            <a:endParaRPr lang="zh-CN" altLang="en-US"/>
+          </a:p>
+          <a:p>
+            <a:pPr marL="0" indent="0">
+              <a:buNone/>
+            </a:pPr>
+            <a:r>
+              <a:rPr lang="zh-CN" altLang="en-US"/>
+              <a:t>  Disabled &gt;&gt;&gt; before UserInfo.withdrawFrom(..) target (UserInfo u) </a:t>
+            </a:r>
+            <a:endParaRPr lang="zh-CN" altLang="en-US"/>
+          </a:p>
+          <a:p>
+            <a:pPr marL="0" indent="0">
+              <a:buNone/>
+            </a:pPr>
+            <a:r>
+              <a:rPr lang="zh-CN" altLang="en-US"/>
+              <a:t>           &gt;&gt;&gt; Bad [P5 violated]</a:t>
+            </a:r>
+            <a:endParaRPr lang="zh-CN" altLang="en-US"/>
+          </a:p>
+          <a:p>
+            <a:pPr marL="0" indent="0">
+              <a:buNone/>
+            </a:pPr>
+            <a:r>
+              <a:rPr lang="zh-CN" altLang="en-US"/>
+              <a:t>}</a:t>
+            </a:r>
+            <a:endParaRPr lang="zh-CN" altLang="en-US"/>
           </a:p>
         </p:txBody>
       </p:sp>
@@ -3758,6 +3820,355 @@
 </file>
 
 <file path=ppt/slides/slide11.xml><?xml version="1.0" encoding="utf-8"?>
+<p:sld xmlns:a="http://schemas.openxmlformats.org/drawingml/2006/main" xmlns:r="http://schemas.openxmlformats.org/officeDocument/2006/relationships" xmlns:p="http://schemas.openxmlformats.org/presentationml/2006/main">
+  <p:cSld>
+    <p:spTree>
+      <p:nvGrpSpPr>
+        <p:cNvPr id="1" name=""/>
+        <p:cNvGrpSpPr/>
+        <p:nvPr/>
+      </p:nvGrpSpPr>
+      <p:grpSpPr/>
+      <p:sp>
+        <p:nvSpPr>
+          <p:cNvPr id="2" name="标题 1"/>
+          <p:cNvSpPr>
+            <a:spLocks noGrp="1"/>
+          </p:cNvSpPr>
+          <p:nvPr>
+            <p:ph type="title"/>
+          </p:nvPr>
+        </p:nvSpPr>
+        <p:spPr/>
+        <p:txBody>
+          <a:bodyPr/>
+          <a:p>
+            <a:r>
+              <a:rPr lang="en-US" altLang="zh-CN" sz="4000">
+                <a:sym typeface="+mn-ea"/>
+              </a:rPr>
+              <a:t>Specifications</a:t>
+            </a:r>
+            <a:endParaRPr lang="zh-CN" altLang="en-US" sz="4000"/>
+          </a:p>
+        </p:txBody>
+      </p:sp>
+      <p:sp>
+        <p:nvSpPr>
+          <p:cNvPr id="3" name="内容占位符 2"/>
+          <p:cNvSpPr>
+            <a:spLocks noGrp="1"/>
+          </p:cNvSpPr>
+          <p:nvPr>
+            <p:ph idx="1"/>
+          </p:nvPr>
+        </p:nvSpPr>
+        <p:spPr/>
+        <p:txBody>
+          <a:bodyPr/>
+          <a:p>
+            <a:endParaRPr lang="en-US" altLang="zh-CN" sz="1800"/>
+          </a:p>
+          <a:p>
+            <a:endParaRPr lang="en-US" altLang="zh-CN" sz="1800"/>
+          </a:p>
+          <a:p>
+            <a:r>
+              <a:rPr lang="en-US" altLang="zh-CN" sz="1800"/>
+              <a:t>RE (regular expressions)</a:t>
+            </a:r>
+            <a:endParaRPr lang="en-US" altLang="zh-CN" sz="1800"/>
+          </a:p>
+          <a:p>
+            <a:endParaRPr lang="en-US" altLang="zh-CN" sz="1800"/>
+          </a:p>
+          <a:p>
+            <a:pPr marL="0" indent="0">
+              <a:buNone/>
+            </a:pPr>
+            <a:r>
+              <a:rPr lang="en-US" altLang="zh-CN" sz="1800"/>
+              <a:t>E.g.:</a:t>
+            </a:r>
+            <a:endParaRPr lang="en-US" altLang="zh-CN" sz="1800"/>
+          </a:p>
+          <a:p>
+            <a:pPr marL="0" indent="0">
+              <a:buNone/>
+            </a:pPr>
+            <a:r>
+              <a:rPr lang="en-US" altLang="zh-CN" sz="1800"/>
+              <a:t>property bad behaviour {</a:t>
+            </a:r>
+            <a:endParaRPr lang="en-US" altLang="zh-CN" sz="1800"/>
+          </a:p>
+          <a:p>
+            <a:pPr marL="0" indent="0">
+              <a:buNone/>
+            </a:pPr>
+            <a:r>
+              <a:rPr lang="en-US" altLang="zh-CN" sz="1800"/>
+              <a:t>(![before BackEnd.initialise])*;([before BackEnd.initialise];(![before BackEnd.shutdown])*;[before BackEnd.shutdown])*;(![before BackEnd.initialise])*;[before UserInfo.openSession]</a:t>
+            </a:r>
+            <a:endParaRPr lang="en-US" altLang="zh-CN" sz="1800"/>
+          </a:p>
+          <a:p>
+            <a:pPr marL="0" indent="0">
+              <a:buNone/>
+            </a:pPr>
+            <a:r>
+              <a:rPr lang="en-US" altLang="zh-CN" sz="1800"/>
+              <a:t>}</a:t>
+            </a:r>
+            <a:endParaRPr lang="en-US" altLang="zh-CN" sz="1800"/>
+          </a:p>
+        </p:txBody>
+      </p:sp>
+    </p:spTree>
+  </p:cSld>
+  <p:clrMapOvr>
+    <a:masterClrMapping/>
+  </p:clrMapOvr>
+</p:sld>
+</file>
+
+<file path=ppt/slides/slide12.xml><?xml version="1.0" encoding="utf-8"?>
+<p:sld xmlns:a="http://schemas.openxmlformats.org/drawingml/2006/main" xmlns:r="http://schemas.openxmlformats.org/officeDocument/2006/relationships" xmlns:p="http://schemas.openxmlformats.org/presentationml/2006/main">
+  <p:cSld>
+    <p:spTree>
+      <p:nvGrpSpPr>
+        <p:cNvPr id="1" name=""/>
+        <p:cNvGrpSpPr/>
+        <p:nvPr/>
+      </p:nvGrpSpPr>
+      <p:grpSpPr/>
+      <p:sp>
+        <p:nvSpPr>
+          <p:cNvPr id="2" name="标题 1"/>
+          <p:cNvSpPr>
+            <a:spLocks noGrp="1"/>
+          </p:cNvSpPr>
+          <p:nvPr>
+            <p:ph type="title"/>
+          </p:nvPr>
+        </p:nvSpPr>
+        <p:spPr/>
+        <p:txBody>
+          <a:bodyPr>
+            <a:normAutofit fontScale="90000"/>
+          </a:bodyPr>
+          <a:p>
+            <a:br>
+              <a:rPr lang="en-US" altLang="zh-CN">
+                <a:sym typeface="+mn-ea"/>
+              </a:rPr>
+            </a:br>
+            <a:r>
+              <a:rPr lang="en-US" altLang="zh-CN">
+                <a:sym typeface="+mn-ea"/>
+              </a:rPr>
+              <a:t>Specifications</a:t>
+            </a:r>
+            <a:br>
+              <a:rPr lang="zh-CN" altLang="en-US"/>
+            </a:br>
+            <a:endParaRPr lang="zh-CN" altLang="en-US"/>
+          </a:p>
+        </p:txBody>
+      </p:sp>
+      <p:sp>
+        <p:nvSpPr>
+          <p:cNvPr id="3" name="内容占位符 2"/>
+          <p:cNvSpPr>
+            <a:spLocks noGrp="1"/>
+          </p:cNvSpPr>
+          <p:nvPr>
+            <p:ph idx="1"/>
+          </p:nvPr>
+        </p:nvSpPr>
+        <p:spPr/>
+        <p:txBody>
+          <a:bodyPr/>
+          <a:p>
+            <a:endParaRPr lang="en-US" altLang="zh-CN" sz="1800"/>
+          </a:p>
+          <a:p>
+            <a:endParaRPr lang="en-US" altLang="zh-CN" sz="1800"/>
+          </a:p>
+          <a:p>
+            <a:r>
+              <a:rPr lang="en-US" altLang="zh-CN" sz="1800"/>
+              <a:t>LTL (Linear Temporal Logics)</a:t>
+            </a:r>
+            <a:endParaRPr lang="en-US" altLang="zh-CN" sz="1800"/>
+          </a:p>
+          <a:p>
+            <a:endParaRPr lang="en-US" altLang="zh-CN" sz="1800"/>
+          </a:p>
+          <a:p>
+            <a:pPr marL="0" indent="0">
+              <a:buNone/>
+            </a:pPr>
+            <a:r>
+              <a:rPr lang="en-US" altLang="zh-CN" sz="1800"/>
+              <a:t>E.g.:</a:t>
+            </a:r>
+            <a:endParaRPr lang="en-US" altLang="zh-CN" sz="1800"/>
+          </a:p>
+          <a:p>
+            <a:pPr marL="0" indent="0">
+              <a:buNone/>
+            </a:pPr>
+            <a:r>
+              <a:rPr lang="en-US" altLang="zh-CN" sz="1800"/>
+              <a:t>property good behaviour {</a:t>
+            </a:r>
+            <a:endParaRPr lang="en-US" altLang="zh-CN" sz="1800"/>
+          </a:p>
+          <a:p>
+            <a:pPr marL="0" indent="0">
+              <a:buNone/>
+            </a:pPr>
+            <a:r>
+              <a:rPr lang="en-US" altLang="zh-CN" sz="1800"/>
+              <a:t>(not [before UserInfo.openSession]) Until [after BackEnd.initialise]</a:t>
+            </a:r>
+            <a:endParaRPr lang="en-US" altLang="zh-CN" sz="1800"/>
+          </a:p>
+          <a:p>
+            <a:pPr marL="0" indent="0">
+              <a:buNone/>
+            </a:pPr>
+            <a:r>
+              <a:rPr lang="en-US" altLang="zh-CN" sz="1800"/>
+              <a:t>}</a:t>
+            </a:r>
+            <a:endParaRPr lang="en-US" altLang="zh-CN" sz="1800"/>
+          </a:p>
+        </p:txBody>
+      </p:sp>
+    </p:spTree>
+  </p:cSld>
+  <p:clrMapOvr>
+    <a:masterClrMapping/>
+  </p:clrMapOvr>
+</p:sld>
+</file>
+
+<file path=ppt/slides/slide13.xml><?xml version="1.0" encoding="utf-8"?>
+<p:sld xmlns:a="http://schemas.openxmlformats.org/drawingml/2006/main" xmlns:r="http://schemas.openxmlformats.org/officeDocument/2006/relationships" xmlns:p="http://schemas.openxmlformats.org/presentationml/2006/main">
+  <p:cSld>
+    <p:spTree>
+      <p:nvGrpSpPr>
+        <p:cNvPr id="1" name=""/>
+        <p:cNvGrpSpPr/>
+        <p:nvPr/>
+      </p:nvGrpSpPr>
+      <p:grpSpPr/>
+      <p:sp>
+        <p:nvSpPr>
+          <p:cNvPr id="2" name="标题 1"/>
+          <p:cNvSpPr>
+            <a:spLocks noGrp="1"/>
+          </p:cNvSpPr>
+          <p:nvPr>
+            <p:ph type="title"/>
+          </p:nvPr>
+        </p:nvSpPr>
+        <p:spPr/>
+        <p:txBody>
+          <a:bodyPr/>
+          <a:p>
+            <a:r>
+              <a:rPr lang="en-US" altLang="zh-CN">
+                <a:sym typeface="+mn-ea"/>
+              </a:rPr>
+              <a:t>Specifications</a:t>
+            </a:r>
+            <a:endParaRPr lang="zh-CN" altLang="en-US"/>
+          </a:p>
+        </p:txBody>
+      </p:sp>
+      <p:sp>
+        <p:nvSpPr>
+          <p:cNvPr id="3" name="内容占位符 2"/>
+          <p:cNvSpPr>
+            <a:spLocks noGrp="1"/>
+          </p:cNvSpPr>
+          <p:nvPr>
+            <p:ph idx="1"/>
+          </p:nvPr>
+        </p:nvSpPr>
+        <p:spPr/>
+        <p:txBody>
+          <a:bodyPr/>
+          <a:p>
+            <a:endParaRPr lang="en-US" altLang="zh-CN" sz="1800"/>
+          </a:p>
+          <a:p>
+            <a:endParaRPr lang="en-US" altLang="zh-CN" sz="1800"/>
+          </a:p>
+          <a:p>
+            <a:r>
+              <a:rPr lang="en-US" altLang="zh-CN" sz="1800"/>
+              <a:t>real-time property</a:t>
+            </a:r>
+            <a:endParaRPr lang="en-US" altLang="zh-CN" sz="1800"/>
+          </a:p>
+          <a:p>
+            <a:endParaRPr lang="en-US" altLang="zh-CN" sz="1800"/>
+          </a:p>
+          <a:p>
+            <a:pPr marL="0" indent="0">
+              <a:buNone/>
+            </a:pPr>
+            <a:r>
+              <a:rPr lang="en-US" altLang="zh-CN" sz="1800"/>
+              <a:t>E.g.:</a:t>
+            </a:r>
+            <a:endParaRPr lang="en-US" altLang="zh-CN" sz="1800"/>
+          </a:p>
+          <a:p>
+            <a:pPr marL="0" indent="0">
+              <a:buNone/>
+            </a:pPr>
+            <a:r>
+              <a:rPr lang="en-US" altLang="zh-CN" sz="1800"/>
+              <a:t>BackEnd.initialise(..) | -&gt; { Verification.initialisedTime = TimerManager.currentTimeMillis(); } </a:t>
+            </a:r>
+            <a:endParaRPr lang="en-US" altLang="zh-CN" sz="1800"/>
+          </a:p>
+          <a:p>
+            <a:pPr marL="0" indent="0">
+              <a:buNone/>
+            </a:pPr>
+            <a:r>
+              <a:rPr lang="en-US" altLang="zh-CN" sz="1800"/>
+              <a:t>UserInfo.openSession(..) | TimerManager.currentTimeMillis() - Verification.initialisedTime &lt; 10*1000 </a:t>
+            </a:r>
+            <a:endParaRPr lang="en-US" altLang="zh-CN" sz="1800"/>
+          </a:p>
+          <a:p>
+            <a:pPr marL="0" indent="0">
+              <a:buNone/>
+            </a:pPr>
+            <a:r>
+              <a:rPr lang="en-US" altLang="zh-CN" sz="1800"/>
+              <a:t>-&gt; { Assertion.alert("P11 violated"); }</a:t>
+            </a:r>
+            <a:endParaRPr lang="en-US" altLang="zh-CN" sz="1800"/>
+          </a:p>
+        </p:txBody>
+      </p:sp>
+    </p:spTree>
+  </p:cSld>
+  <p:clrMapOvr>
+    <a:masterClrMapping/>
+  </p:clrMapOvr>
+</p:sld>
+</file>
+
+<file path=ppt/slides/slide14.xml><?xml version="1.0" encoding="utf-8"?>
 <p:sld xmlns:a="http://schemas.openxmlformats.org/drawingml/2006/main" xmlns:r="http://schemas.openxmlformats.org/officeDocument/2006/relationships" xmlns:p="http://schemas.openxmlformats.org/presentationml/2006/main">
   <p:cSld>
     <p:spTree>
@@ -3869,7 +4280,7 @@
 </p:sld>
 </file>
 
-<file path=ppt/slides/slide12.xml><?xml version="1.0" encoding="utf-8"?>
+<file path=ppt/slides/slide15.xml><?xml version="1.0" encoding="utf-8"?>
 <p:sld xmlns:a="http://schemas.openxmlformats.org/drawingml/2006/main" xmlns:r="http://schemas.openxmlformats.org/officeDocument/2006/relationships" xmlns:p="http://schemas.openxmlformats.org/presentationml/2006/main">
   <p:cSld>
     <p:spTree>
@@ -3971,6 +4382,13 @@
             <a:r>
               <a:rPr lang="en-US" altLang="zh-CN"/>
               <a:t>The structure of the prototype tool</a:t>
+            </a:r>
+            <a:endParaRPr lang="en-US" altLang="zh-CN"/>
+          </a:p>
+          <a:p>
+            <a:r>
+              <a:rPr lang="en-US" altLang="zh-CN"/>
+              <a:t>How does the tool work</a:t>
             </a:r>
             <a:endParaRPr lang="en-US" altLang="zh-CN"/>
           </a:p>
@@ -4046,8 +4464,8 @@
         </p:nvSpPr>
         <p:spPr>
           <a:xfrm>
-            <a:off x="5713095" y="3089275"/>
-            <a:ext cx="4417060" cy="1476375"/>
+            <a:off x="5494020" y="2757170"/>
+            <a:ext cx="4417060" cy="1753235"/>
           </a:xfrm>
           <a:prstGeom prst="rect">
             <a:avLst/>
@@ -4063,6 +4481,9 @@
               <a:rPr lang="en-US" altLang="zh-CN"/>
               <a:t>monitoredfits/monitoredfits_rtime:</a:t>
             </a:r>
+            <a:endParaRPr lang="en-US" altLang="zh-CN"/>
+          </a:p>
+          <a:p>
             <a:endParaRPr lang="en-US" altLang="zh-CN"/>
           </a:p>
           <a:p>
@@ -4384,150 +4805,136 @@
           <a:bodyPr/>
           <a:p>
             <a:r>
-              <a:rPr lang="en-US" altLang="zh-CN" sz="4000"/>
-              <a:t>Specifications</a:t>
-            </a:r>
-            <a:endParaRPr lang="en-US" altLang="zh-CN" sz="4000"/>
-          </a:p>
-        </p:txBody>
-      </p:sp>
-      <p:sp>
-        <p:nvSpPr>
-          <p:cNvPr id="3" name="内容占位符 2"/>
-          <p:cNvSpPr>
-            <a:spLocks noGrp="1"/>
-          </p:cNvSpPr>
+              <a:rPr lang="en-US" altLang="zh-CN">
+                <a:sym typeface="+mn-ea"/>
+              </a:rPr>
+              <a:t>How it works</a:t>
+            </a:r>
+            <a:endParaRPr lang="zh-CN" altLang="en-US"/>
+          </a:p>
+        </p:txBody>
+      </p:sp>
+      <p:pic>
+        <p:nvPicPr>
+          <p:cNvPr id="4" name="内容占位符 3" descr="截屏2023-08-23 14.02.21"/>
+          <p:cNvPicPr>
+            <a:picLocks noChangeAspect="1"/>
+          </p:cNvPicPr>
           <p:nvPr>
             <p:ph idx="1"/>
           </p:nvPr>
-        </p:nvSpPr>
+        </p:nvPicPr>
+        <p:blipFill>
+          <a:blip r:embed="rId1"/>
+          <a:stretch>
+            <a:fillRect/>
+          </a:stretch>
+        </p:blipFill>
         <p:spPr>
           <a:xfrm>
-            <a:off x="647700" y="1759585"/>
-            <a:ext cx="10515600" cy="4629150"/>
+            <a:off x="647700" y="2743835"/>
+            <a:ext cx="5382260" cy="1609725"/>
           </a:xfrm>
+          <a:prstGeom prst="rect">
+            <a:avLst/>
+          </a:prstGeom>
         </p:spPr>
-        <p:txBody>
-          <a:bodyPr/>
-          <a:p>
-            <a:r>
-              <a:rPr lang="en-US" altLang="zh-CN" sz="1800"/>
-              <a:t>EGCL (Event Guarded Command Language)</a:t>
-            </a:r>
-            <a:endParaRPr lang="en-US" altLang="zh-CN" sz="1800"/>
-          </a:p>
-          <a:p>
-            <a:endParaRPr lang="en-US" altLang="zh-CN" sz="1800"/>
-          </a:p>
-          <a:p>
-            <a:pPr marL="0" indent="0">
-              <a:buNone/>
+      </p:pic>
+      <p:sp>
+        <p:nvSpPr>
+          <p:cNvPr id="7" name="文本框 6"/>
+          <p:cNvSpPr txBox="1"/>
+          <p:nvPr/>
+        </p:nvSpPr>
+        <p:spPr>
+          <a:xfrm>
+            <a:off x="647700" y="1772920"/>
+            <a:ext cx="3249930" cy="368300"/>
+          </a:xfrm>
+          <a:prstGeom prst="rect">
+            <a:avLst/>
+          </a:prstGeom>
+          <a:noFill/>
+        </p:spPr>
+        <p:txBody>
+          <a:bodyPr wrap="none" rtlCol="0">
+            <a:spAutoFit/>
+          </a:bodyPr>
+          <a:p>
+            <a:r>
+              <a:rPr lang="en-US" altLang="zh-CN"/>
+              <a:t>Take automata as an example</a:t>
+            </a:r>
+            <a:endParaRPr lang="en-US" altLang="zh-CN"/>
+          </a:p>
+        </p:txBody>
+      </p:sp>
+      <p:sp>
+        <p:nvSpPr>
+          <p:cNvPr id="8" name="文本框 7"/>
+          <p:cNvSpPr txBox="1"/>
+          <p:nvPr/>
+        </p:nvSpPr>
+        <p:spPr>
+          <a:xfrm>
+            <a:off x="6726555" y="2810510"/>
+            <a:ext cx="5041265" cy="1476375"/>
+          </a:xfrm>
+          <a:prstGeom prst="rect">
+            <a:avLst/>
+          </a:prstGeom>
+          <a:noFill/>
+        </p:spPr>
+        <p:txBody>
+          <a:bodyPr wrap="none" rtlCol="0">
+            <a:spAutoFit/>
+          </a:bodyPr>
+          <a:p>
+            <a:pPr marL="285750" indent="-285750">
+              <a:buFont typeface="Arial" panose="020B0604020202020204" pitchFamily="34" charset="0"/>
+              <a:buChar char="•"/>
             </a:pPr>
             <a:r>
-              <a:rPr lang="en-US" altLang="zh-CN" sz="1800"/>
-              <a:t>E.g.:</a:t>
-            </a:r>
-            <a:endParaRPr lang="en-US" altLang="zh-CN" sz="1800"/>
-          </a:p>
-          <a:p>
-            <a:pPr marL="0" indent="0">
-              <a:buNone/>
+              <a:rPr lang="en-US" altLang="zh-CN"/>
+              <a:t>compile and run the frontend translation part</a:t>
+            </a:r>
+            <a:endParaRPr lang="en-US" altLang="zh-CN"/>
+          </a:p>
+          <a:p>
+            <a:pPr marL="285750" indent="-285750">
+              <a:buFont typeface="Arial" panose="020B0604020202020204" pitchFamily="34" charset="0"/>
+              <a:buChar char="•"/>
             </a:pPr>
-            <a:r>
-              <a:rPr lang="en-US" altLang="zh-CN" sz="1800"/>
-              <a:t>before *.makeGoldUser(..) target (UserInfo u) </a:t>
-            </a:r>
-            <a:endParaRPr lang="en-US" altLang="zh-CN" sz="1800"/>
-          </a:p>
-          <a:p>
-            <a:pPr marL="0" indent="0">
-              <a:buNone/>
+            <a:endParaRPr lang="en-US" altLang="zh-CN"/>
+          </a:p>
+          <a:p>
+            <a:pPr marL="285750" indent="-285750">
+              <a:buFont typeface="Arial" panose="020B0604020202020204" pitchFamily="34" charset="0"/>
+              <a:buChar char="•"/>
             </a:pPr>
             <a:r>
-              <a:rPr lang="en-US" altLang="zh-CN" sz="1800"/>
-              <a:t>  |  !(u.getCountry().equals("Argentina")) </a:t>
-            </a:r>
-            <a:endParaRPr lang="en-US" altLang="zh-CN" sz="1800"/>
-          </a:p>
-          <a:p>
-            <a:pPr marL="0" indent="0">
-              <a:buNone/>
+              <a:rPr lang="en-US" altLang="zh-CN"/>
+              <a:t>use ajc to compile and weave the aspectj file</a:t>
+            </a:r>
+            <a:endParaRPr lang="en-US" altLang="zh-CN"/>
+          </a:p>
+          <a:p>
+            <a:pPr marL="285750" indent="-285750">
+              <a:buFont typeface="Arial" panose="020B0604020202020204" pitchFamily="34" charset="0"/>
+              <a:buChar char="•"/>
             </a:pPr>
-            <a:r>
-              <a:rPr lang="en-US" altLang="zh-CN" sz="1800"/>
-              <a:t>  -&gt; { Assertion.alert("P1 violated"); }</a:t>
-            </a:r>
-            <a:endParaRPr lang="en-US" altLang="zh-CN" sz="1800"/>
-          </a:p>
-          <a:p>
-            <a:pPr marL="0" indent="0">
-              <a:buNone/>
+            <a:endParaRPr lang="en-US" altLang="zh-CN"/>
+          </a:p>
+          <a:p>
+            <a:pPr marL="285750" indent="-285750">
+              <a:buFont typeface="Arial" panose="020B0604020202020204" pitchFamily="34" charset="0"/>
+              <a:buChar char="•"/>
             </a:pPr>
-            <a:endParaRPr lang="en-US" altLang="zh-CN" sz="1800"/>
-          </a:p>
-          <a:p>
-            <a:pPr marL="0" indent="0">
-              <a:buNone/>
-            </a:pPr>
-            <a:r>
-              <a:rPr lang="en-US" altLang="zh-CN" sz="1800"/>
-              <a:t>before: the point we apply the advice</a:t>
-            </a:r>
-            <a:endParaRPr lang="en-US" altLang="zh-CN" sz="1800"/>
-          </a:p>
-          <a:p>
-            <a:pPr marL="0" indent="0">
-              <a:buNone/>
-            </a:pPr>
-            <a:r>
-              <a:rPr lang="en-US" altLang="zh-CN" sz="1800">
-                <a:sym typeface="+mn-ea"/>
-              </a:rPr>
-              <a:t>*.makeGoldUser(..): the event</a:t>
-            </a:r>
-            <a:endParaRPr lang="en-US" altLang="zh-CN" sz="1800">
-              <a:sym typeface="+mn-ea"/>
-            </a:endParaRPr>
-          </a:p>
-          <a:p>
-            <a:pPr marL="0" indent="0">
-              <a:buNone/>
-            </a:pPr>
-            <a:r>
-              <a:rPr lang="en-US" altLang="zh-CN" sz="1800">
-                <a:sym typeface="+mn-ea"/>
-              </a:rPr>
-              <a:t>target (UserInfo u): the object that triggered the event</a:t>
-            </a:r>
-            <a:endParaRPr lang="en-US" altLang="zh-CN" sz="1800">
-              <a:sym typeface="+mn-ea"/>
-            </a:endParaRPr>
-          </a:p>
-          <a:p>
-            <a:pPr marL="0" indent="0">
-              <a:buNone/>
-            </a:pPr>
-            <a:r>
-              <a:rPr lang="en-US" altLang="zh-CN" sz="1800">
-                <a:sym typeface="+mn-ea"/>
-              </a:rPr>
-              <a:t> !(u.getCountry().equals("Argentina")): the condition</a:t>
-            </a:r>
-            <a:endParaRPr lang="en-US" altLang="zh-CN" sz="1800">
-              <a:sym typeface="+mn-ea"/>
-            </a:endParaRPr>
-          </a:p>
-          <a:p>
-            <a:pPr marL="0" indent="0">
-              <a:buNone/>
-            </a:pPr>
-            <a:r>
-              <a:rPr lang="en-US" altLang="zh-CN" sz="1800">
-                <a:sym typeface="+mn-ea"/>
-              </a:rPr>
-              <a:t>Assertion.alert("P1 violated"): the advice we apply</a:t>
-            </a:r>
-            <a:endParaRPr lang="en-US" altLang="zh-CN" sz="1800"/>
+            <a:r>
+              <a:rPr lang="en-US" altLang="zh-CN"/>
+              <a:t>run the backend</a:t>
+            </a:r>
+            <a:endParaRPr lang="en-US" altLang="zh-CN"/>
           </a:p>
         </p:txBody>
       </p:sp>
@@ -4559,147 +4966,170 @@
             <p:ph type="title"/>
           </p:nvPr>
         </p:nvSpPr>
-        <p:spPr/>
-        <p:txBody>
-          <a:bodyPr>
-            <a:normAutofit fontScale="90000"/>
-          </a:bodyPr>
-          <a:p>
-            <a:br>
-              <a:rPr lang="en-US" altLang="zh-CN">
+        <p:spPr>
+          <a:xfrm>
+            <a:off x="647700" y="258445"/>
+            <a:ext cx="10515600" cy="1325563"/>
+          </a:xfrm>
+        </p:spPr>
+        <p:txBody>
+          <a:bodyPr/>
+          <a:p>
+            <a:r>
+              <a:rPr lang="en-US" altLang="zh-CN" sz="4000">
                 <a:sym typeface="+mn-ea"/>
               </a:rPr>
-            </a:br>
-            <a:r>
-              <a:rPr lang="en-US" altLang="zh-CN">
+              <a:t>How </a:t>
+            </a:r>
+            <a:r>
+              <a:rPr lang="en-US" altLang="zh-CN" sz="4000">
                 <a:sym typeface="+mn-ea"/>
               </a:rPr>
-              <a:t>Specifications</a:t>
-            </a:r>
-            <a:br>
+              <a:t>it works-frontend</a:t>
+            </a:r>
+            <a:endParaRPr lang="zh-CN" altLang="en-US" sz="4000"/>
+          </a:p>
+        </p:txBody>
+      </p:sp>
+      <p:pic>
+        <p:nvPicPr>
+          <p:cNvPr id="5" name="内容占位符 4" descr="截屏2023-08-23 13.51.10"/>
+          <p:cNvPicPr>
+            <a:picLocks noChangeAspect="1"/>
+          </p:cNvPicPr>
+          <p:nvPr>
+            <p:ph idx="1"/>
+          </p:nvPr>
+        </p:nvPicPr>
+        <p:blipFill>
+          <a:blip r:embed="rId1"/>
+          <a:stretch>
+            <a:fillRect/>
+          </a:stretch>
+        </p:blipFill>
+        <p:spPr>
+          <a:xfrm>
+            <a:off x="744220" y="1939290"/>
+            <a:ext cx="4104005" cy="4603115"/>
+          </a:xfrm>
+          <a:prstGeom prst="rect">
+            <a:avLst/>
+          </a:prstGeom>
+        </p:spPr>
+      </p:pic>
+      <p:sp>
+        <p:nvSpPr>
+          <p:cNvPr id="6" name="文本框 5"/>
+          <p:cNvSpPr txBox="1"/>
+          <p:nvPr/>
+        </p:nvSpPr>
+        <p:spPr>
+          <a:xfrm>
+            <a:off x="744220" y="1405255"/>
+            <a:ext cx="2197100" cy="368300"/>
+          </a:xfrm>
+          <a:prstGeom prst="rect">
+            <a:avLst/>
+          </a:prstGeom>
+          <a:noFill/>
+        </p:spPr>
+        <p:txBody>
+          <a:bodyPr wrap="none" rtlCol="0">
+            <a:spAutoFit/>
+          </a:bodyPr>
+          <a:p>
+            <a:r>
               <a:rPr lang="en-US" altLang="zh-CN"/>
-            </a:br>
-            <a:endParaRPr lang="zh-CN" altLang="en-US"/>
-          </a:p>
-        </p:txBody>
-      </p:sp>
-      <p:sp>
-        <p:nvSpPr>
-          <p:cNvPr id="3" name="内容占位符 2"/>
-          <p:cNvSpPr>
-            <a:spLocks noGrp="1"/>
-          </p:cNvSpPr>
-          <p:nvPr>
-            <p:ph idx="1"/>
-          </p:nvPr>
-        </p:nvSpPr>
-        <p:spPr/>
-        <p:txBody>
-          <a:bodyPr>
-            <a:normAutofit fontScale="60000"/>
+              <a:t>automata/Main.java</a:t>
+            </a:r>
+            <a:endParaRPr lang="en-US" altLang="zh-CN"/>
+          </a:p>
+        </p:txBody>
+      </p:sp>
+      <p:sp>
+        <p:nvSpPr>
+          <p:cNvPr id="8" name="文本框 7"/>
+          <p:cNvSpPr txBox="1"/>
+          <p:nvPr/>
+        </p:nvSpPr>
+        <p:spPr>
+          <a:xfrm>
+            <a:off x="6094730" y="2923540"/>
+            <a:ext cx="5485765" cy="2030095"/>
+          </a:xfrm>
+          <a:prstGeom prst="rect">
+            <a:avLst/>
+          </a:prstGeom>
+          <a:noFill/>
+        </p:spPr>
+        <p:txBody>
+          <a:bodyPr wrap="none" rtlCol="0">
+            <a:spAutoFit/>
           </a:bodyPr>
           <a:p>
-            <a:endParaRPr lang="zh-CN" altLang="en-US"/>
-          </a:p>
-          <a:p>
+            <a:pPr marL="285750" indent="-285750">
+              <a:buFont typeface="Arial" panose="020B0604020202020204" pitchFamily="34" charset="0"/>
+              <a:buChar char="•"/>
+            </a:pPr>
             <a:r>
               <a:rPr lang="en-US" altLang="zh-CN"/>
-              <a:t>Finite Automata</a:t>
+              <a:t>read from the .aut specification file</a:t>
             </a:r>
             <a:endParaRPr lang="en-US" altLang="zh-CN"/>
           </a:p>
           <a:p>
-            <a:endParaRPr lang="zh-CN" altLang="en-US"/>
-          </a:p>
-          <a:p>
-            <a:pPr marL="0" indent="0">
-              <a:buNone/>
+            <a:pPr marL="285750" indent="-285750">
+              <a:buFont typeface="Arial" panose="020B0604020202020204" pitchFamily="34" charset="0"/>
+              <a:buChar char="•"/>
             </a:pPr>
+            <a:endParaRPr lang="en-US" altLang="zh-CN"/>
+          </a:p>
+          <a:p>
+            <a:pPr marL="285750" indent="-285750">
+              <a:buFont typeface="Arial" panose="020B0604020202020204" pitchFamily="34" charset="0"/>
+              <a:buChar char="•"/>
+            </a:pPr>
             <a:r>
               <a:rPr lang="en-US" altLang="zh-CN"/>
-              <a:t>E.g.:</a:t>
-            </a:r>
-            <a:endParaRPr lang="zh-CN" altLang="en-US"/>
-          </a:p>
-          <a:p>
-            <a:pPr marL="0" indent="0">
-              <a:buNone/>
+              <a:t>parse and translate it into EGCL</a:t>
+            </a:r>
+            <a:endParaRPr lang="en-US" altLang="zh-CN"/>
+          </a:p>
+          <a:p>
+            <a:pPr marL="285750" indent="-285750">
+              <a:buFont typeface="Arial" panose="020B0604020202020204" pitchFamily="34" charset="0"/>
+              <a:buChar char="•"/>
             </a:pPr>
-            <a:r>
-              <a:rPr lang="zh-CN" altLang="en-US"/>
-              <a:t>property foreach target (UserInfo u) starting Enabled {</a:t>
-            </a:r>
-            <a:endParaRPr lang="zh-CN" altLang="en-US"/>
-          </a:p>
-          <a:p>
-            <a:pPr marL="0" indent="0">
-              <a:buNone/>
+            <a:endParaRPr lang="en-US" altLang="zh-CN"/>
+          </a:p>
+          <a:p>
+            <a:pPr marL="285750" indent="-285750">
+              <a:buFont typeface="Arial" panose="020B0604020202020204" pitchFamily="34" charset="0"/>
+              <a:buChar char="•"/>
             </a:pPr>
             <a:r>
-              <a:rPr lang="zh-CN" altLang="en-US"/>
-              <a:t>  Enabled &gt;&gt;&gt; before UserInfo.makeDisabled(..) target (UserInfo u)</a:t>
-            </a:r>
-            <a:endParaRPr lang="zh-CN" altLang="en-US"/>
-          </a:p>
-          <a:p>
-            <a:pPr marL="0" indent="0">
-              <a:buNone/>
+              <a:rPr lang="en-US" altLang="zh-CN"/>
+              <a:t>then reuse the EGCL translation part to generate </a:t>
+            </a:r>
+            <a:endParaRPr lang="en-US" altLang="zh-CN"/>
+          </a:p>
+          <a:p>
+            <a:pPr marL="285750" indent="-285750">
+              <a:buFont typeface="Arial" panose="020B0604020202020204" pitchFamily="34" charset="0"/>
+              <a:buChar char="•"/>
             </a:pPr>
-            <a:r>
-              <a:rPr lang="zh-CN" altLang="en-US"/>
-              <a:t>          &gt;&gt;&gt; Disabled</a:t>
-            </a:r>
-            <a:endParaRPr lang="zh-CN" altLang="en-US"/>
-          </a:p>
-          <a:p>
-            <a:pPr marL="0" indent="0">
+            <a:endParaRPr lang="en-US" altLang="zh-CN"/>
+          </a:p>
+          <a:p>
+            <a:pPr indent="0">
+              <a:buFont typeface="Arial" panose="020B0604020202020204" pitchFamily="34" charset="0"/>
               <a:buNone/>
             </a:pPr>
             <a:r>
-              <a:rPr lang="zh-CN" altLang="en-US"/>
-              <a:t>  Disabled &gt;&gt;&gt; before UserInfo.makeEnabled(..) target (UserInfo u) </a:t>
-            </a:r>
-            <a:endParaRPr lang="zh-CN" altLang="en-US"/>
-          </a:p>
-          <a:p>
-            <a:pPr marL="0" indent="0">
-              <a:buNone/>
-            </a:pPr>
-            <a:r>
-              <a:rPr lang="zh-CN" altLang="en-US"/>
-              <a:t>           &gt;&gt;&gt; Enabled</a:t>
-            </a:r>
-            <a:endParaRPr lang="zh-CN" altLang="en-US"/>
-          </a:p>
-          <a:p>
-            <a:pPr marL="0" indent="0">
-              <a:buNone/>
-            </a:pPr>
-            <a:r>
-              <a:rPr lang="zh-CN" altLang="en-US"/>
-              <a:t>  Disabled &gt;&gt;&gt; before UserInfo.withdrawFrom(..) target (UserInfo u) </a:t>
-            </a:r>
-            <a:endParaRPr lang="zh-CN" altLang="en-US"/>
-          </a:p>
-          <a:p>
-            <a:pPr marL="0" indent="0">
-              <a:buNone/>
-            </a:pPr>
-            <a:r>
-              <a:rPr lang="zh-CN" altLang="en-US"/>
-              <a:t>           &gt;&gt;&gt; Bad [P5 violated]</a:t>
-            </a:r>
-            <a:endParaRPr lang="zh-CN" altLang="en-US"/>
-          </a:p>
-          <a:p>
-            <a:pPr marL="0" indent="0">
-              <a:buNone/>
-            </a:pPr>
-            <a:r>
-              <a:rPr lang="zh-CN" altLang="en-US"/>
-              <a:t>}</a:t>
-            </a:r>
-            <a:endParaRPr lang="zh-CN" altLang="en-US"/>
+              <a:rPr lang="en-US" altLang="zh-CN"/>
+              <a:t>     Verification.java and Properties.aj</a:t>
+            </a:r>
+            <a:endParaRPr lang="en-US" altLang="zh-CN"/>
           </a:p>
         </p:txBody>
       </p:sp>
@@ -4736,83 +5166,195 @@
           <a:bodyPr/>
           <a:p>
             <a:r>
-              <a:rPr lang="en-US" altLang="zh-CN" sz="4000">
-                <a:sym typeface="+mn-ea"/>
-              </a:rPr>
-              <a:t>Specifications</a:t>
-            </a:r>
-            <a:endParaRPr lang="zh-CN" altLang="en-US" sz="4000"/>
-          </a:p>
-        </p:txBody>
-      </p:sp>
-      <p:sp>
-        <p:nvSpPr>
-          <p:cNvPr id="3" name="内容占位符 2"/>
-          <p:cNvSpPr>
-            <a:spLocks noGrp="1"/>
-          </p:cNvSpPr>
+              <a:rPr lang="en-US" altLang="zh-CN"/>
+              <a:t>How it works-backend</a:t>
+            </a:r>
+            <a:endParaRPr lang="en-US" altLang="zh-CN"/>
+          </a:p>
+        </p:txBody>
+      </p:sp>
+      <p:pic>
+        <p:nvPicPr>
+          <p:cNvPr id="4" name="内容占位符 3" descr="截屏2023-08-23 14.07.47"/>
+          <p:cNvPicPr>
+            <a:picLocks noChangeAspect="1"/>
+          </p:cNvPicPr>
           <p:nvPr>
             <p:ph idx="1"/>
           </p:nvPr>
-        </p:nvSpPr>
-        <p:spPr/>
-        <p:txBody>
-          <a:bodyPr/>
-          <a:p>
-            <a:endParaRPr lang="en-US" altLang="zh-CN" sz="1800"/>
-          </a:p>
-          <a:p>
-            <a:endParaRPr lang="en-US" altLang="zh-CN" sz="1800"/>
-          </a:p>
-          <a:p>
-            <a:r>
-              <a:rPr lang="en-US" altLang="zh-CN" sz="1800"/>
-              <a:t>RE (regular expressions)</a:t>
-            </a:r>
-            <a:endParaRPr lang="en-US" altLang="zh-CN" sz="1800"/>
-          </a:p>
-          <a:p>
-            <a:endParaRPr lang="en-US" altLang="zh-CN" sz="1800"/>
-          </a:p>
-          <a:p>
-            <a:pPr marL="0" indent="0">
+        </p:nvPicPr>
+        <p:blipFill>
+          <a:blip r:embed="rId1"/>
+          <a:stretch>
+            <a:fillRect/>
+          </a:stretch>
+        </p:blipFill>
+        <p:spPr>
+          <a:xfrm>
+            <a:off x="711200" y="1758315"/>
+            <a:ext cx="4537710" cy="4351655"/>
+          </a:xfrm>
+          <a:prstGeom prst="rect">
+            <a:avLst/>
+          </a:prstGeom>
+        </p:spPr>
+      </p:pic>
+      <p:sp>
+        <p:nvSpPr>
+          <p:cNvPr id="6" name="文本框 5"/>
+          <p:cNvSpPr txBox="1"/>
+          <p:nvPr/>
+        </p:nvSpPr>
+        <p:spPr>
+          <a:xfrm>
+            <a:off x="5823585" y="1758315"/>
+            <a:ext cx="6071235" cy="4246245"/>
+          </a:xfrm>
+          <a:prstGeom prst="rect">
+            <a:avLst/>
+          </a:prstGeom>
+          <a:noFill/>
+        </p:spPr>
+        <p:txBody>
+          <a:bodyPr wrap="none" rtlCol="0">
+            <a:spAutoFit/>
+          </a:bodyPr>
+          <a:p>
+            <a:pPr indent="0">
+              <a:buFont typeface="Arial" panose="020B0604020202020204" pitchFamily="34" charset="0"/>
               <a:buNone/>
             </a:pPr>
             <a:r>
-              <a:rPr lang="en-US" altLang="zh-CN" sz="1800"/>
-              <a:t>E.g.:</a:t>
-            </a:r>
-            <a:endParaRPr lang="en-US" altLang="zh-CN" sz="1800"/>
-          </a:p>
-          <a:p>
-            <a:pPr marL="0" indent="0">
-              <a:buNone/>
+              <a:rPr lang="en-US" altLang="zh-CN"/>
+              <a:t>In this demo:</a:t>
+            </a:r>
+            <a:endParaRPr lang="en-US" altLang="zh-CN"/>
+          </a:p>
+          <a:p>
+            <a:pPr marL="285750" indent="-285750">
+              <a:buFont typeface="Arial" panose="020B0604020202020204" pitchFamily="34" charset="0"/>
+              <a:buChar char="•"/>
             </a:pPr>
-            <a:r>
-              <a:rPr lang="en-US" altLang="zh-CN" sz="1800"/>
-              <a:t>property bad behaviour {</a:t>
-            </a:r>
-            <a:endParaRPr lang="en-US" altLang="zh-CN" sz="1800"/>
-          </a:p>
-          <a:p>
-            <a:pPr marL="0" indent="0">
-              <a:buNone/>
+            <a:endParaRPr lang="en-US" altLang="zh-CN"/>
+          </a:p>
+          <a:p>
+            <a:pPr marL="285750" indent="-285750">
+              <a:buFont typeface="Arial" panose="020B0604020202020204" pitchFamily="34" charset="0"/>
+              <a:buChar char="•"/>
             </a:pPr>
             <a:r>
-              <a:rPr lang="en-US" altLang="zh-CN" sz="1800"/>
-              <a:t>(![before BackEnd.initialise])*;([before BackEnd.initialise];(![before BackEnd.shutdown])*;[before BackEnd.shutdown])*;(![before BackEnd.initialise])*;[before UserInfo.openSession]</a:t>
-            </a:r>
-            <a:endParaRPr lang="en-US" altLang="zh-CN" sz="1800"/>
-          </a:p>
-          <a:p>
-            <a:pPr marL="0" indent="0">
-              <a:buNone/>
+              <a:rPr lang="en-US" altLang="zh-CN"/>
+              <a:t>The backend will run scenarios and check the property</a:t>
+            </a:r>
+            <a:endParaRPr lang="en-US" altLang="zh-CN"/>
+          </a:p>
+          <a:p>
+            <a:pPr marL="285750" indent="-285750">
+              <a:buFont typeface="Arial" panose="020B0604020202020204" pitchFamily="34" charset="0"/>
+              <a:buChar char="•"/>
             </a:pPr>
-            <a:r>
-              <a:rPr lang="en-US" altLang="zh-CN" sz="1800"/>
-              <a:t>}</a:t>
-            </a:r>
-            <a:endParaRPr lang="en-US" altLang="zh-CN" sz="1800"/>
+            <a:endParaRPr lang="en-US" altLang="zh-CN"/>
+          </a:p>
+          <a:p>
+            <a:pPr marL="285750" indent="-285750">
+              <a:buFont typeface="Arial" panose="020B0604020202020204" pitchFamily="34" charset="0"/>
+              <a:buChar char="•"/>
+            </a:pPr>
+            <a:r>
+              <a:rPr lang="en-US" altLang="zh-CN"/>
+              <a:t>In each scenario, the author manually write some com-</a:t>
+            </a:r>
+            <a:endParaRPr lang="en-US" altLang="zh-CN"/>
+          </a:p>
+          <a:p>
+            <a:pPr marL="285750" indent="-285750">
+              <a:buFont typeface="Arial" panose="020B0604020202020204" pitchFamily="34" charset="0"/>
+              <a:buChar char="•"/>
+            </a:pPr>
+            <a:endParaRPr lang="en-US" altLang="zh-CN"/>
+          </a:p>
+          <a:p>
+            <a:pPr indent="0">
+              <a:buFont typeface="Arial" panose="020B0604020202020204" pitchFamily="34" charset="0"/>
+              <a:buNone/>
+            </a:pPr>
+            <a:r>
+              <a:rPr lang="en-US" altLang="zh-CN"/>
+              <a:t>     mands that will or will not violate the property</a:t>
+            </a:r>
+            <a:endParaRPr lang="en-US" altLang="zh-CN"/>
+          </a:p>
+          <a:p>
+            <a:pPr indent="0">
+              <a:buFont typeface="Arial" panose="020B0604020202020204" pitchFamily="34" charset="0"/>
+              <a:buNone/>
+            </a:pPr>
+            <a:endParaRPr lang="en-US" altLang="zh-CN"/>
+          </a:p>
+          <a:p>
+            <a:pPr marL="285750" indent="-285750">
+              <a:buFont typeface="Arial" panose="020B0604020202020204" pitchFamily="34" charset="0"/>
+              <a:buChar char="•"/>
+            </a:pPr>
+            <a:r>
+              <a:rPr lang="en-US" altLang="zh-CN"/>
+              <a:t>It’s just like a testing case.</a:t>
+            </a:r>
+            <a:endParaRPr lang="en-US" altLang="zh-CN"/>
+          </a:p>
+          <a:p>
+            <a:pPr marL="285750" indent="-285750">
+              <a:buFont typeface="Arial" panose="020B0604020202020204" pitchFamily="34" charset="0"/>
+              <a:buChar char="•"/>
+            </a:pPr>
+            <a:endParaRPr lang="en-US" altLang="zh-CN"/>
+          </a:p>
+          <a:p>
+            <a:pPr indent="0">
+              <a:buFont typeface="Arial" panose="020B0604020202020204" pitchFamily="34" charset="0"/>
+              <a:buNone/>
+            </a:pPr>
+            <a:r>
+              <a:rPr lang="en-US" altLang="zh-CN"/>
+              <a:t>In reality:</a:t>
+            </a:r>
+            <a:endParaRPr lang="en-US" altLang="zh-CN"/>
+          </a:p>
+          <a:p>
+            <a:pPr indent="0">
+              <a:buFont typeface="Arial" panose="020B0604020202020204" pitchFamily="34" charset="0"/>
+              <a:buNone/>
+            </a:pPr>
+            <a:endParaRPr lang="en-US" altLang="zh-CN"/>
+          </a:p>
+          <a:p>
+            <a:pPr marL="285750" indent="-285750">
+              <a:buFont typeface="Arial" panose="020B0604020202020204" pitchFamily="34" charset="0"/>
+              <a:buChar char="•"/>
+            </a:pPr>
+            <a:r>
+              <a:rPr lang="en-US" altLang="zh-CN"/>
+              <a:t>when the system is running, the monitor will report any</a:t>
+            </a:r>
+            <a:endParaRPr lang="en-US" altLang="zh-CN"/>
+          </a:p>
+          <a:p>
+            <a:pPr marL="285750" indent="-285750">
+              <a:buFont typeface="Arial" panose="020B0604020202020204" pitchFamily="34" charset="0"/>
+              <a:buChar char="•"/>
+            </a:pPr>
+            <a:endParaRPr lang="en-US" altLang="zh-CN"/>
+          </a:p>
+          <a:p>
+            <a:pPr indent="0">
+              <a:buFont typeface="Arial" panose="020B0604020202020204" pitchFamily="34" charset="0"/>
+              <a:buNone/>
+            </a:pPr>
+            <a:r>
+              <a:rPr lang="en-US" altLang="zh-CN"/>
+              <a:t>violation defined in the specification files</a:t>
+            </a:r>
+            <a:endParaRPr lang="en-US" altLang="zh-CN"/>
           </a:p>
         </p:txBody>
       </p:sp>
@@ -4846,94 +5388,151 @@
         </p:nvSpPr>
         <p:spPr/>
         <p:txBody>
-          <a:bodyPr>
-            <a:normAutofit fontScale="90000"/>
-          </a:bodyPr>
-          <a:p>
-            <a:br>
-              <a:rPr lang="en-US" altLang="zh-CN">
+          <a:bodyPr/>
+          <a:p>
+            <a:r>
+              <a:rPr lang="en-US" altLang="zh-CN" sz="4000"/>
+              <a:t>Specifications</a:t>
+            </a:r>
+            <a:endParaRPr lang="en-US" altLang="zh-CN" sz="4000"/>
+          </a:p>
+        </p:txBody>
+      </p:sp>
+      <p:sp>
+        <p:nvSpPr>
+          <p:cNvPr id="3" name="内容占位符 2"/>
+          <p:cNvSpPr>
+            <a:spLocks noGrp="1"/>
+          </p:cNvSpPr>
+          <p:nvPr>
+            <p:ph idx="1"/>
+          </p:nvPr>
+        </p:nvSpPr>
+        <p:spPr>
+          <a:xfrm>
+            <a:off x="647700" y="1759585"/>
+            <a:ext cx="10515600" cy="4629150"/>
+          </a:xfrm>
+        </p:spPr>
+        <p:txBody>
+          <a:bodyPr/>
+          <a:p>
+            <a:r>
+              <a:rPr lang="en-US" altLang="zh-CN" sz="1800"/>
+              <a:t>EGCL (Event Guarded Command Language)</a:t>
+            </a:r>
+            <a:endParaRPr lang="en-US" altLang="zh-CN" sz="1800"/>
+          </a:p>
+          <a:p>
+            <a:endParaRPr lang="en-US" altLang="zh-CN" sz="1800"/>
+          </a:p>
+          <a:p>
+            <a:pPr marL="0" indent="0">
+              <a:buNone/>
+            </a:pPr>
+            <a:r>
+              <a:rPr lang="en-US" altLang="zh-CN" sz="1800"/>
+              <a:t>E.g.:</a:t>
+            </a:r>
+            <a:endParaRPr lang="en-US" altLang="zh-CN" sz="1800"/>
+          </a:p>
+          <a:p>
+            <a:pPr marL="0" indent="0">
+              <a:buNone/>
+            </a:pPr>
+            <a:r>
+              <a:rPr lang="en-US" altLang="zh-CN" sz="1800"/>
+              <a:t>before *.makeGoldUser(..) target (UserInfo u) </a:t>
+            </a:r>
+            <a:endParaRPr lang="en-US" altLang="zh-CN" sz="1800"/>
+          </a:p>
+          <a:p>
+            <a:pPr marL="0" indent="0">
+              <a:buNone/>
+            </a:pPr>
+            <a:r>
+              <a:rPr lang="en-US" altLang="zh-CN" sz="1800"/>
+              <a:t>  |  !(u.getCountry().equals("Argentina")) </a:t>
+            </a:r>
+            <a:endParaRPr lang="en-US" altLang="zh-CN" sz="1800"/>
+          </a:p>
+          <a:p>
+            <a:pPr marL="0" indent="0">
+              <a:buNone/>
+            </a:pPr>
+            <a:r>
+              <a:rPr lang="en-US" altLang="zh-CN" sz="1800"/>
+              <a:t>  -&gt; { Assertion.alert("P1 violated"); }</a:t>
+            </a:r>
+            <a:endParaRPr lang="en-US" altLang="zh-CN" sz="1800"/>
+          </a:p>
+          <a:p>
+            <a:pPr marL="0" indent="0">
+              <a:buNone/>
+            </a:pPr>
+            <a:endParaRPr lang="en-US" altLang="zh-CN" sz="1800"/>
+          </a:p>
+          <a:p>
+            <a:pPr marL="0" indent="0">
+              <a:buNone/>
+            </a:pPr>
+            <a:r>
+              <a:rPr lang="en-US" altLang="zh-CN" sz="1800"/>
+              <a:t>before: the point we apply the advice</a:t>
+            </a:r>
+            <a:endParaRPr lang="en-US" altLang="zh-CN" sz="1800"/>
+          </a:p>
+          <a:p>
+            <a:pPr marL="0" indent="0">
+              <a:buNone/>
+            </a:pPr>
+            <a:r>
+              <a:rPr lang="en-US" altLang="zh-CN" sz="1800">
                 <a:sym typeface="+mn-ea"/>
               </a:rPr>
-            </a:br>
-            <a:r>
-              <a:rPr lang="en-US" altLang="zh-CN">
+              <a:t>*.makeGoldUser(..): the event</a:t>
+            </a:r>
+            <a:endParaRPr lang="en-US" altLang="zh-CN" sz="1800">
+              <a:sym typeface="+mn-ea"/>
+            </a:endParaRPr>
+          </a:p>
+          <a:p>
+            <a:pPr marL="0" indent="0">
+              <a:buNone/>
+            </a:pPr>
+            <a:r>
+              <a:rPr lang="en-US" altLang="zh-CN" sz="1800">
                 <a:sym typeface="+mn-ea"/>
               </a:rPr>
-              <a:t>Specifications</a:t>
-            </a:r>
-            <a:br>
-              <a:rPr lang="zh-CN" altLang="en-US"/>
-            </a:br>
-            <a:endParaRPr lang="zh-CN" altLang="en-US"/>
-          </a:p>
-        </p:txBody>
-      </p:sp>
-      <p:sp>
-        <p:nvSpPr>
-          <p:cNvPr id="3" name="内容占位符 2"/>
-          <p:cNvSpPr>
-            <a:spLocks noGrp="1"/>
-          </p:cNvSpPr>
-          <p:nvPr>
-            <p:ph idx="1"/>
-          </p:nvPr>
-        </p:nvSpPr>
-        <p:spPr/>
-        <p:txBody>
-          <a:bodyPr/>
-          <a:p>
-            <a:endParaRPr lang="en-US" altLang="zh-CN" sz="1800"/>
-          </a:p>
-          <a:p>
-            <a:endParaRPr lang="en-US" altLang="zh-CN" sz="1800"/>
-          </a:p>
-          <a:p>
-            <a:r>
-              <a:rPr lang="en-US" altLang="zh-CN" sz="1800"/>
-              <a:t>LTL (Linear Temporal Logics)</a:t>
-            </a:r>
-            <a:endParaRPr lang="en-US" altLang="zh-CN" sz="1800"/>
-          </a:p>
-          <a:p>
-            <a:endParaRPr lang="en-US" altLang="zh-CN" sz="1800"/>
+              <a:t>target (UserInfo u): the object that triggered the event</a:t>
+            </a:r>
+            <a:endParaRPr lang="en-US" altLang="zh-CN" sz="1800">
+              <a:sym typeface="+mn-ea"/>
+            </a:endParaRPr>
           </a:p>
           <a:p>
             <a:pPr marL="0" indent="0">
               <a:buNone/>
             </a:pPr>
             <a:r>
-              <a:rPr lang="en-US" altLang="zh-CN" sz="1800"/>
-              <a:t>E.g.:</a:t>
-            </a:r>
-            <a:endParaRPr lang="en-US" altLang="zh-CN" sz="1800"/>
+              <a:rPr lang="en-US" altLang="zh-CN" sz="1800">
+                <a:sym typeface="+mn-ea"/>
+              </a:rPr>
+              <a:t> !(u.getCountry().equals("Argentina")): the condition</a:t>
+            </a:r>
+            <a:endParaRPr lang="en-US" altLang="zh-CN" sz="1800">
+              <a:sym typeface="+mn-ea"/>
+            </a:endParaRPr>
           </a:p>
           <a:p>
             <a:pPr marL="0" indent="0">
               <a:buNone/>
             </a:pPr>
             <a:r>
-              <a:rPr lang="en-US" altLang="zh-CN" sz="1800"/>
-              <a:t>property good behaviour {</a:t>
-            </a:r>
-            <a:endParaRPr lang="en-US" altLang="zh-CN" sz="1800"/>
-          </a:p>
-          <a:p>
-            <a:pPr marL="0" indent="0">
-              <a:buNone/>
-            </a:pPr>
-            <a:r>
-              <a:rPr lang="en-US" altLang="zh-CN" sz="1800"/>
-              <a:t>(not [before UserInfo.openSession]) Until [after BackEnd.initialise]</a:t>
-            </a:r>
-            <a:endParaRPr lang="en-US" altLang="zh-CN" sz="1800"/>
-          </a:p>
-          <a:p>
-            <a:pPr marL="0" indent="0">
-              <a:buNone/>
-            </a:pPr>
-            <a:r>
-              <a:rPr lang="en-US" altLang="zh-CN" sz="1800"/>
-              <a:t>}</a:t>
+              <a:rPr lang="en-US" altLang="zh-CN" sz="1800">
+                <a:sym typeface="+mn-ea"/>
+              </a:rPr>
+              <a:t>Assertion.alert("P1 violated"): the advice we apply</a:t>
             </a:r>
             <a:endParaRPr lang="en-US" altLang="zh-CN" sz="1800"/>
           </a:p>
